--- a/Project/Documents/Buyee.pptx
+++ b/Project/Documents/Buyee.pptx
@@ -6809,7 +6809,7 @@
         <p:spPr>
           <a:xfrm>
             <a:off x="1905704" y="655114"/>
-            <a:ext cx="4342696" cy="1120775"/>
+            <a:ext cx="3809296" cy="1120775"/>
           </a:xfrm>
           <a:prstGeom prst="rect">
             <a:avLst/>
@@ -7389,8 +7389,8 @@
         </p:nvSpPr>
         <p:spPr>
           <a:xfrm>
-            <a:off x="2103718" y="2088017"/>
-            <a:ext cx="14324723" cy="7663727"/>
+            <a:off x="1861151" y="2198567"/>
+            <a:ext cx="14565699" cy="7756234"/>
           </a:xfrm>
           <a:custGeom>
             <a:avLst/>
@@ -7399,18 +7399,18 @@
             <a:cxnLst/>
             <a:rect l="l" t="t" r="r" b="b"/>
             <a:pathLst>
-              <a:path w="14324723" h="7663727">
+              <a:path w="14565699" h="7756234">
                 <a:moveTo>
                   <a:pt x="0" y="0"/>
                 </a:moveTo>
                 <a:lnTo>
-                  <a:pt x="14324724" y="0"/>
-                </a:lnTo>
-                <a:lnTo>
-                  <a:pt x="14324724" y="7663727"/>
-                </a:lnTo>
-                <a:lnTo>
-                  <a:pt x="0" y="7663727"/>
+                  <a:pt x="14565698" y="0"/>
+                </a:lnTo>
+                <a:lnTo>
+                  <a:pt x="14565698" y="7756234"/>
+                </a:lnTo>
+                <a:lnTo>
+                  <a:pt x="0" y="7756234"/>
                 </a:lnTo>
                 <a:lnTo>
                   <a:pt x="0" y="0"/>
